--- a/docs/diagrams/UpdateProfilePicSequenceDiagram.pptx
+++ b/docs/diagrams/UpdateProfilePicSequenceDiagram.pptx
@@ -212,7 +212,7 @@
           <a:p>
             <a:fld id="{F5CC4B3F-88C1-4FFA-B1B6-F41C21DC6924}" type="datetimeFigureOut">
               <a:rPr lang="en-US" smtClean="0"/>
-              <a:t>10/24/2017</a:t>
+              <a:t>10/30/2017</a:t>
             </a:fld>
             <a:endParaRPr lang="en-US"/>
           </a:p>
@@ -742,7 +742,7 @@
           <a:p>
             <a:fld id="{78C97017-6FC3-485B-9764-EAC9E56C1D49}" type="datetimeFigureOut">
               <a:rPr lang="en-US" smtClean="0"/>
-              <a:t>10/24/2017</a:t>
+              <a:t>10/30/2017</a:t>
             </a:fld>
             <a:endParaRPr lang="en-US"/>
           </a:p>
@@ -910,7 +910,7 @@
           <a:p>
             <a:fld id="{78C97017-6FC3-485B-9764-EAC9E56C1D49}" type="datetimeFigureOut">
               <a:rPr lang="en-US" smtClean="0"/>
-              <a:t>10/24/2017</a:t>
+              <a:t>10/30/2017</a:t>
             </a:fld>
             <a:endParaRPr lang="en-US"/>
           </a:p>
@@ -1088,7 +1088,7 @@
           <a:p>
             <a:fld id="{78C97017-6FC3-485B-9764-EAC9E56C1D49}" type="datetimeFigureOut">
               <a:rPr lang="en-US" smtClean="0"/>
-              <a:t>10/24/2017</a:t>
+              <a:t>10/30/2017</a:t>
             </a:fld>
             <a:endParaRPr lang="en-US"/>
           </a:p>
@@ -1256,7 +1256,7 @@
           <a:p>
             <a:fld id="{78C97017-6FC3-485B-9764-EAC9E56C1D49}" type="datetimeFigureOut">
               <a:rPr lang="en-US" smtClean="0"/>
-              <a:t>10/24/2017</a:t>
+              <a:t>10/30/2017</a:t>
             </a:fld>
             <a:endParaRPr lang="en-US"/>
           </a:p>
@@ -1501,7 +1501,7 @@
           <a:p>
             <a:fld id="{78C97017-6FC3-485B-9764-EAC9E56C1D49}" type="datetimeFigureOut">
               <a:rPr lang="en-US" smtClean="0"/>
-              <a:t>10/24/2017</a:t>
+              <a:t>10/30/2017</a:t>
             </a:fld>
             <a:endParaRPr lang="en-US"/>
           </a:p>
@@ -1786,7 +1786,7 @@
           <a:p>
             <a:fld id="{78C97017-6FC3-485B-9764-EAC9E56C1D49}" type="datetimeFigureOut">
               <a:rPr lang="en-US" smtClean="0"/>
-              <a:t>10/24/2017</a:t>
+              <a:t>10/30/2017</a:t>
             </a:fld>
             <a:endParaRPr lang="en-US"/>
           </a:p>
@@ -2205,7 +2205,7 @@
           <a:p>
             <a:fld id="{78C97017-6FC3-485B-9764-EAC9E56C1D49}" type="datetimeFigureOut">
               <a:rPr lang="en-US" smtClean="0"/>
-              <a:t>10/24/2017</a:t>
+              <a:t>10/30/2017</a:t>
             </a:fld>
             <a:endParaRPr lang="en-US"/>
           </a:p>
@@ -2322,7 +2322,7 @@
           <a:p>
             <a:fld id="{78C97017-6FC3-485B-9764-EAC9E56C1D49}" type="datetimeFigureOut">
               <a:rPr lang="en-US" smtClean="0"/>
-              <a:t>10/24/2017</a:t>
+              <a:t>10/30/2017</a:t>
             </a:fld>
             <a:endParaRPr lang="en-US"/>
           </a:p>
@@ -2417,7 +2417,7 @@
           <a:p>
             <a:fld id="{78C97017-6FC3-485B-9764-EAC9E56C1D49}" type="datetimeFigureOut">
               <a:rPr lang="en-US" smtClean="0"/>
-              <a:t>10/24/2017</a:t>
+              <a:t>10/30/2017</a:t>
             </a:fld>
             <a:endParaRPr lang="en-US"/>
           </a:p>
@@ -2692,7 +2692,7 @@
           <a:p>
             <a:fld id="{78C97017-6FC3-485B-9764-EAC9E56C1D49}" type="datetimeFigureOut">
               <a:rPr lang="en-US" smtClean="0"/>
-              <a:t>10/24/2017</a:t>
+              <a:t>10/30/2017</a:t>
             </a:fld>
             <a:endParaRPr lang="en-US"/>
           </a:p>
@@ -2944,7 +2944,7 @@
           <a:p>
             <a:fld id="{78C97017-6FC3-485B-9764-EAC9E56C1D49}" type="datetimeFigureOut">
               <a:rPr lang="en-US" smtClean="0"/>
-              <a:t>10/24/2017</a:t>
+              <a:t>10/30/2017</a:t>
             </a:fld>
             <a:endParaRPr lang="en-US"/>
           </a:p>
@@ -3155,7 +3155,7 @@
           <a:p>
             <a:fld id="{78C97017-6FC3-485B-9764-EAC9E56C1D49}" type="datetimeFigureOut">
               <a:rPr lang="en-US" smtClean="0"/>
-              <a:t>10/24/2017</a:t>
+              <a:t>10/30/2017</a:t>
             </a:fld>
             <a:endParaRPr lang="en-US"/>
           </a:p>
@@ -4115,7 +4115,7 @@
         </p:nvSpPr>
         <p:spPr>
           <a:xfrm>
-            <a:off x="2804978" y="3818688"/>
+            <a:off x="2775982" y="3789807"/>
             <a:ext cx="886075" cy="219612"/>
           </a:xfrm>
           <a:prstGeom prst="rect">
@@ -4565,7 +4565,7 @@
         </p:nvCxnSpPr>
         <p:spPr>
           <a:xfrm flipV="1">
-            <a:off x="1670963" y="4034953"/>
+            <a:off x="1670963" y="3978953"/>
             <a:ext cx="7309493" cy="55556"/>
           </a:xfrm>
           <a:prstGeom prst="straightConnector1">
@@ -4653,7 +4653,7 @@
         </p:nvCxnSpPr>
         <p:spPr>
           <a:xfrm>
-            <a:off x="1670963" y="4366521"/>
+            <a:off x="1661703" y="4404564"/>
             <a:ext cx="7309493" cy="33027"/>
           </a:xfrm>
           <a:prstGeom prst="straightConnector1">
